--- a/JNI 2023/Poster_JNI_Lyme_FINAL.pptx
+++ b/JNI 2023/Poster_JNI_Lyme_FINAL.pptx
@@ -333,7 +333,7 @@
 <file path=ppt/revisionInfo.xml><?xml version="1.0" encoding="utf-8"?>
 <p1510:revInfo xmlns:a="http://schemas.openxmlformats.org/drawingml/2006/main" xmlns:r="http://schemas.openxmlformats.org/officeDocument/2006/relationships" xmlns:p1510="http://schemas.microsoft.com/office/powerpoint/2015/10/main">
   <p1510:revLst>
-    <p1510:client id="{BA428FAC-010A-42EF-9377-B8E5FDC12C04}" v="3" dt="2023-05-24T09:00:12.030"/>
+    <p1510:client id="{BA428FAC-010A-42EF-9377-B8E5FDC12C04}" v="5" dt="2023-05-26T19:33:26.362"/>
   </p1510:revLst>
 </p1510:revInfo>
 </file>
@@ -343,12 +343,12 @@
   <pc:docChgLst>
     <pc:chgData name="Nuttens, Charles" userId="742a40d9-79c8-4fa3-b188-717ebf8b9cff" providerId="ADAL" clId="{BA428FAC-010A-42EF-9377-B8E5FDC12C04}"/>
     <pc:docChg chg="undo custSel modSld">
-      <pc:chgData name="Nuttens, Charles" userId="742a40d9-79c8-4fa3-b188-717ebf8b9cff" providerId="ADAL" clId="{BA428FAC-010A-42EF-9377-B8E5FDC12C04}" dt="2023-05-24T09:01:01.196" v="549" actId="1076"/>
+      <pc:chgData name="Nuttens, Charles" userId="742a40d9-79c8-4fa3-b188-717ebf8b9cff" providerId="ADAL" clId="{BA428FAC-010A-42EF-9377-B8E5FDC12C04}" dt="2023-05-26T19:33:38.799" v="566" actId="1076"/>
       <pc:docMkLst>
         <pc:docMk/>
       </pc:docMkLst>
       <pc:sldChg chg="addSp delSp modSp mod addCm delCm">
-        <pc:chgData name="Nuttens, Charles" userId="742a40d9-79c8-4fa3-b188-717ebf8b9cff" providerId="ADAL" clId="{BA428FAC-010A-42EF-9377-B8E5FDC12C04}" dt="2023-05-24T09:01:01.196" v="549" actId="1076"/>
+        <pc:chgData name="Nuttens, Charles" userId="742a40d9-79c8-4fa3-b188-717ebf8b9cff" providerId="ADAL" clId="{BA428FAC-010A-42EF-9377-B8E5FDC12C04}" dt="2023-05-26T19:33:38.799" v="566" actId="1076"/>
         <pc:sldMkLst>
           <pc:docMk/>
           <pc:sldMk cId="3829273148" sldId="316"/>
@@ -369,8 +369,16 @@
             <ac:spMk id="3" creationId="{891536C0-159F-0E48-94A6-5B9434C6DE18}"/>
           </ac:spMkLst>
         </pc:spChg>
-        <pc:spChg chg="mod">
-          <ac:chgData name="Nuttens, Charles" userId="742a40d9-79c8-4fa3-b188-717ebf8b9cff" providerId="ADAL" clId="{BA428FAC-010A-42EF-9377-B8E5FDC12C04}" dt="2023-05-19T08:07:42.213" v="367" actId="790"/>
+        <pc:spChg chg="add mod">
+          <ac:chgData name="Nuttens, Charles" userId="742a40d9-79c8-4fa3-b188-717ebf8b9cff" providerId="ADAL" clId="{BA428FAC-010A-42EF-9377-B8E5FDC12C04}" dt="2023-05-24T09:11:19.148" v="560" actId="1076"/>
+          <ac:spMkLst>
+            <pc:docMk/>
+            <pc:sldMk cId="3829273148" sldId="316"/>
+            <ac:spMk id="4" creationId="{C2D2F5D8-8682-ECE8-BAD4-611023845545}"/>
+          </ac:spMkLst>
+        </pc:spChg>
+        <pc:spChg chg="add del mod">
+          <ac:chgData name="Nuttens, Charles" userId="742a40d9-79c8-4fa3-b188-717ebf8b9cff" providerId="ADAL" clId="{BA428FAC-010A-42EF-9377-B8E5FDC12C04}" dt="2023-05-26T19:33:09.794" v="563" actId="478"/>
           <ac:spMkLst>
             <pc:docMk/>
             <pc:sldMk cId="3829273148" sldId="316"/>
@@ -433,6 +441,14 @@
             <ac:spMk id="19" creationId="{78AFD7D8-1086-4D9E-8210-95B9D846F36B}"/>
           </ac:spMkLst>
         </pc:spChg>
+        <pc:spChg chg="add mod">
+          <ac:chgData name="Nuttens, Charles" userId="742a40d9-79c8-4fa3-b188-717ebf8b9cff" providerId="ADAL" clId="{BA428FAC-010A-42EF-9377-B8E5FDC12C04}" dt="2023-05-26T19:33:26.362" v="564"/>
+          <ac:spMkLst>
+            <pc:docMk/>
+            <pc:sldMk cId="3829273148" sldId="316"/>
+            <ac:spMk id="20" creationId="{D12AD3C1-709D-F4C5-5B78-701B15C6AC42}"/>
+          </ac:spMkLst>
+        </pc:spChg>
         <pc:spChg chg="mod">
           <ac:chgData name="Nuttens, Charles" userId="742a40d9-79c8-4fa3-b188-717ebf8b9cff" providerId="ADAL" clId="{BA428FAC-010A-42EF-9377-B8E5FDC12C04}" dt="2023-05-19T08:20:06.187" v="449" actId="207"/>
           <ac:spMkLst>
@@ -490,7 +506,7 @@
           </ac:spMkLst>
         </pc:spChg>
         <pc:spChg chg="mod">
-          <ac:chgData name="Nuttens, Charles" userId="742a40d9-79c8-4fa3-b188-717ebf8b9cff" providerId="ADAL" clId="{BA428FAC-010A-42EF-9377-B8E5FDC12C04}" dt="2023-05-19T08:17:47.401" v="445" actId="20577"/>
+          <ac:chgData name="Nuttens, Charles" userId="742a40d9-79c8-4fa3-b188-717ebf8b9cff" providerId="ADAL" clId="{BA428FAC-010A-42EF-9377-B8E5FDC12C04}" dt="2023-05-26T19:33:38.799" v="566" actId="1076"/>
           <ac:spMkLst>
             <pc:docMk/>
             <pc:sldMk cId="3829273148" sldId="316"/>
@@ -545,6 +561,14 @@
             <ac:spMk id="2242" creationId="{59484FBB-7589-E8D9-2986-B69FE0FF8B45}"/>
           </ac:spMkLst>
         </pc:spChg>
+        <pc:picChg chg="add del">
+          <ac:chgData name="Nuttens, Charles" userId="742a40d9-79c8-4fa3-b188-717ebf8b9cff" providerId="ADAL" clId="{BA428FAC-010A-42EF-9377-B8E5FDC12C04}" dt="2023-05-26T19:33:04.867" v="562" actId="478"/>
+          <ac:picMkLst>
+            <pc:docMk/>
+            <pc:sldMk cId="3829273148" sldId="316"/>
+            <ac:picMk id="8" creationId="{EE8A6264-7B9A-46DD-A6FA-2F5B07CFFADD}"/>
+          </ac:picMkLst>
+        </pc:picChg>
         <pc:picChg chg="add mod ord">
           <ac:chgData name="Nuttens, Charles" userId="742a40d9-79c8-4fa3-b188-717ebf8b9cff" providerId="ADAL" clId="{BA428FAC-010A-42EF-9377-B8E5FDC12C04}" dt="2023-05-24T08:58:38.768" v="522" actId="1076"/>
           <ac:picMkLst>
@@ -553,8 +577,8 @@
             <ac:picMk id="15" creationId="{12393C86-0E66-C96E-58CC-4E45D38EA189}"/>
           </ac:picMkLst>
         </pc:picChg>
-        <pc:picChg chg="add mod ord">
-          <ac:chgData name="Nuttens, Charles" userId="742a40d9-79c8-4fa3-b188-717ebf8b9cff" providerId="ADAL" clId="{BA428FAC-010A-42EF-9377-B8E5FDC12C04}" dt="2023-05-24T09:01:01.196" v="549" actId="1076"/>
+        <pc:picChg chg="add del mod ord">
+          <ac:chgData name="Nuttens, Charles" userId="742a40d9-79c8-4fa3-b188-717ebf8b9cff" providerId="ADAL" clId="{BA428FAC-010A-42EF-9377-B8E5FDC12C04}" dt="2023-05-26T19:33:38.799" v="566" actId="1076"/>
           <ac:picMkLst>
             <pc:docMk/>
             <pc:sldMk cId="3829273148" sldId="316"/>
@@ -567,6 +591,14 @@
             <pc:docMk/>
             <pc:sldMk cId="3829273148" sldId="316"/>
             <ac:picMk id="20" creationId="{696BC47E-0F28-3D8A-2B05-66A4C22CF7A9}"/>
+          </ac:picMkLst>
+        </pc:picChg>
+        <pc:picChg chg="add mod">
+          <ac:chgData name="Nuttens, Charles" userId="742a40d9-79c8-4fa3-b188-717ebf8b9cff" providerId="ADAL" clId="{BA428FAC-010A-42EF-9377-B8E5FDC12C04}" dt="2023-05-26T19:33:26.362" v="564"/>
+          <ac:picMkLst>
+            <pc:docMk/>
+            <pc:sldMk cId="3829273148" sldId="316"/>
+            <ac:picMk id="21" creationId="{CE2A1B07-A48F-74CF-C136-7D534C9A8CD0}"/>
           </ac:picMkLst>
         </pc:picChg>
         <pc:picChg chg="add mod">
@@ -6421,7 +6453,7 @@
         </p:blipFill>
         <p:spPr>
           <a:xfrm>
-            <a:off x="17808412" y="40497150"/>
+            <a:off x="15164106" y="40015005"/>
             <a:ext cx="1977023" cy="1977023"/>
           </a:xfrm>
           <a:prstGeom prst="rect">
@@ -6693,107 +6725,6 @@
             <a:r>
               <a:rPr lang="fr-FR" sz="5400" b="1" dirty="0"/>
               <a:t>ÉVOLUTION DE L'EPIDEMIOLOGIE DE LA BORRELIOSE DE LYME EN MEDECINE GENERALE ET EN MILIEU HOSPITALIER PENDANT LA PANDEMIE DE COVID-19 (2020-2021)</a:t>
-            </a:r>
-          </a:p>
-        </p:txBody>
-      </p:sp>
-      <p:sp>
-        <p:nvSpPr>
-          <p:cNvPr id="6" name="ZoneTexte 5">
-            <a:extLst>
-              <a:ext uri="{FF2B5EF4-FFF2-40B4-BE49-F238E27FC236}">
-                <a16:creationId xmlns:a16="http://schemas.microsoft.com/office/drawing/2014/main" id="{C3A56C02-5F2E-478F-ABD0-C8ABAD3BDEB3}"/>
-              </a:ext>
-            </a:extLst>
-          </p:cNvPr>
-          <p:cNvSpPr txBox="1"/>
-          <p:nvPr/>
-        </p:nvSpPr>
-        <p:spPr>
-          <a:xfrm>
-            <a:off x="17675080" y="37701820"/>
-            <a:ext cx="11114301" cy="2018373"/>
-          </a:xfrm>
-          <a:prstGeom prst="rect">
-            <a:avLst/>
-          </a:prstGeom>
-          <a:noFill/>
-        </p:spPr>
-        <p:txBody>
-          <a:bodyPr wrap="square">
-            <a:spAutoFit/>
-          </a:bodyPr>
-          <a:lstStyle/>
-          <a:p>
-            <a:pPr>
-              <a:lnSpc>
-                <a:spcPct val="107000"/>
-              </a:lnSpc>
-              <a:spcAft>
-                <a:spcPts val="255"/>
-              </a:spcAft>
-            </a:pPr>
-            <a:r>
-              <a:rPr lang="fr-FR" sz="2800" b="1">
-                <a:latin typeface="Arial" panose="020B0604020202020204" pitchFamily="34" charset="0"/>
-                <a:ea typeface="Calibri" panose="020F0502020204030204" pitchFamily="34" charset="0"/>
-                <a:cs typeface="Times New Roman" panose="02020603050405020304" pitchFamily="18" charset="0"/>
-              </a:rPr>
-              <a:t>Charles Nuttens, PhD</a:t>
-            </a:r>
-          </a:p>
-          <a:p>
-            <a:pPr>
-              <a:lnSpc>
-                <a:spcPct val="107000"/>
-              </a:lnSpc>
-              <a:spcAft>
-                <a:spcPts val="255"/>
-              </a:spcAft>
-            </a:pPr>
-            <a:r>
-              <a:rPr lang="fr-FR" sz="2800">
-                <a:latin typeface="Arial" panose="020B0604020202020204" pitchFamily="34" charset="0"/>
-                <a:ea typeface="Calibri" panose="020F0502020204030204" pitchFamily="34" charset="0"/>
-                <a:cs typeface="Times New Roman" panose="02020603050405020304" pitchFamily="18" charset="0"/>
-              </a:rPr>
-              <a:t>Medical Development, Scientific and Clinical Affairs - Pfizer</a:t>
-            </a:r>
-          </a:p>
-          <a:p>
-            <a:pPr>
-              <a:lnSpc>
-                <a:spcPct val="107000"/>
-              </a:lnSpc>
-              <a:spcAft>
-                <a:spcPts val="255"/>
-              </a:spcAft>
-            </a:pPr>
-            <a:r>
-              <a:rPr lang="fr-FR" sz="2800">
-                <a:latin typeface="Arial" panose="020B0604020202020204" pitchFamily="34" charset="0"/>
-                <a:ea typeface="Calibri" panose="020F0502020204030204" pitchFamily="34" charset="0"/>
-                <a:cs typeface="Times New Roman" panose="02020603050405020304" pitchFamily="18" charset="0"/>
-              </a:rPr>
-              <a:t>23-25 avenue du Docteur Lannelongue, 75014 Paris, France</a:t>
-            </a:r>
-          </a:p>
-          <a:p>
-            <a:pPr>
-              <a:lnSpc>
-                <a:spcPct val="107000"/>
-              </a:lnSpc>
-              <a:spcAft>
-                <a:spcPts val="255"/>
-              </a:spcAft>
-            </a:pPr>
-            <a:r>
-              <a:rPr lang="fr-FR" sz="2800">
-                <a:latin typeface="Arial" panose="020B0604020202020204" pitchFamily="34" charset="0"/>
-                <a:ea typeface="Calibri" panose="020F0502020204030204" pitchFamily="34" charset="0"/>
-                <a:cs typeface="Times New Roman" panose="02020603050405020304" pitchFamily="18" charset="0"/>
-              </a:rPr>
-              <a:t>charles.nuttens@pfizer.com - 0000-0001-6288-8023</a:t>
             </a:r>
           </a:p>
         </p:txBody>
@@ -7209,7 +7140,7 @@
         </p:nvSpPr>
         <p:spPr>
           <a:xfrm>
-            <a:off x="19852110" y="40497150"/>
+            <a:off x="17207804" y="40015005"/>
             <a:ext cx="4372234" cy="1480405"/>
           </a:xfrm>
           <a:prstGeom prst="rect">
@@ -7919,7 +7850,7 @@
               </a:spcAft>
             </a:pPr>
             <a:r>
-              <a:rPr lang="fr-FR" sz="3600" i="1" u="sng">
+              <a:rPr lang="fr-FR" sz="3600" i="1" u="sng" dirty="0">
                 <a:latin typeface="Arial" panose="020B0604020202020204" pitchFamily="34" charset="0"/>
                 <a:ea typeface="Calibri" panose="020F0502020204030204" pitchFamily="34" charset="0"/>
                 <a:cs typeface="Times New Roman" panose="02020603050405020304" pitchFamily="18" charset="0"/>
@@ -7927,7 +7858,7 @@
               <a:t>Charles Nuttens</a:t>
             </a:r>
             <a:r>
-              <a:rPr lang="fr-FR" sz="3600" i="1" baseline="30000">
+              <a:rPr lang="fr-FR" sz="3600" i="1" baseline="30000" dirty="0">
                 <a:latin typeface="Arial" panose="020B0604020202020204" pitchFamily="34" charset="0"/>
                 <a:ea typeface="Calibri" panose="020F0502020204030204" pitchFamily="34" charset="0"/>
                 <a:cs typeface="Times New Roman" panose="02020603050405020304" pitchFamily="18" charset="0"/>
@@ -7935,7 +7866,7 @@
               <a:t>1</a:t>
             </a:r>
             <a:r>
-              <a:rPr lang="fr-FR" sz="3600" i="1">
+              <a:rPr lang="fr-FR" sz="3600" i="1" dirty="0">
                 <a:latin typeface="Arial" panose="020B0604020202020204" pitchFamily="34" charset="0"/>
                 <a:ea typeface="Calibri" panose="020F0502020204030204" pitchFamily="34" charset="0"/>
                 <a:cs typeface="Times New Roman" panose="02020603050405020304" pitchFamily="18" charset="0"/>
@@ -7943,7 +7874,7 @@
               <a:t>, Stéphanie Duret</a:t>
             </a:r>
             <a:r>
-              <a:rPr lang="fr-FR" sz="3600" i="1" baseline="30000">
+              <a:rPr lang="fr-FR" sz="3600" i="1" baseline="30000" dirty="0">
                 <a:latin typeface="Arial" panose="020B0604020202020204" pitchFamily="34" charset="0"/>
                 <a:ea typeface="Calibri" panose="020F0502020204030204" pitchFamily="34" charset="0"/>
                 <a:cs typeface="Times New Roman" panose="02020603050405020304" pitchFamily="18" charset="0"/>
@@ -7951,7 +7882,7 @@
               <a:t>2</a:t>
             </a:r>
             <a:r>
-              <a:rPr lang="fr-FR" sz="3600" i="1">
+              <a:rPr lang="fr-FR" sz="3600" i="1" dirty="0">
                 <a:latin typeface="Arial" panose="020B0604020202020204" pitchFamily="34" charset="0"/>
                 <a:ea typeface="Calibri" panose="020F0502020204030204" pitchFamily="34" charset="0"/>
                 <a:cs typeface="Times New Roman" panose="02020603050405020304" pitchFamily="18" charset="0"/>
@@ -7959,7 +7890,7 @@
               <a:t>, Antoine Bessou</a:t>
             </a:r>
             <a:r>
-              <a:rPr lang="fr-FR" sz="3600" i="1" baseline="30000">
+              <a:rPr lang="fr-FR" sz="3600" i="1" baseline="30000" dirty="0">
                 <a:latin typeface="Arial" panose="020B0604020202020204" pitchFamily="34" charset="0"/>
                 <a:ea typeface="Calibri" panose="020F0502020204030204" pitchFamily="34" charset="0"/>
                 <a:cs typeface="Times New Roman" panose="02020603050405020304" pitchFamily="18" charset="0"/>
@@ -7967,7 +7898,7 @@
               <a:t>2</a:t>
             </a:r>
             <a:r>
-              <a:rPr lang="fr-FR" sz="3600" i="1">
+              <a:rPr lang="fr-FR" sz="3600" i="1" dirty="0">
                 <a:latin typeface="Arial" panose="020B0604020202020204" pitchFamily="34" charset="0"/>
                 <a:ea typeface="Calibri" panose="020F0502020204030204" pitchFamily="34" charset="0"/>
                 <a:cs typeface="Times New Roman" panose="02020603050405020304" pitchFamily="18" charset="0"/>
@@ -7975,7 +7906,7 @@
               <a:t>, Andreas Pilz</a:t>
             </a:r>
             <a:r>
-              <a:rPr lang="fr-FR" sz="3600" i="1" baseline="30000">
+              <a:rPr lang="fr-FR" sz="3600" i="1" baseline="30000" dirty="0">
                 <a:latin typeface="Arial" panose="020B0604020202020204" pitchFamily="34" charset="0"/>
                 <a:ea typeface="Calibri" panose="020F0502020204030204" pitchFamily="34" charset="0"/>
                 <a:cs typeface="Times New Roman" panose="02020603050405020304" pitchFamily="18" charset="0"/>
@@ -7983,7 +7914,7 @@
               <a:t>3</a:t>
             </a:r>
             <a:r>
-              <a:rPr lang="fr-FR" sz="3600" i="1">
+              <a:rPr lang="fr-FR" sz="3600" i="1" dirty="0">
                 <a:latin typeface="Arial" panose="020B0604020202020204" pitchFamily="34" charset="0"/>
                 <a:ea typeface="Calibri" panose="020F0502020204030204" pitchFamily="34" charset="0"/>
                 <a:cs typeface="Times New Roman" panose="02020603050405020304" pitchFamily="18" charset="0"/>
@@ -7991,7 +7922,7 @@
               <a:t>, Jennifer Moïsi</a:t>
             </a:r>
             <a:r>
-              <a:rPr lang="fr-FR" sz="3600" i="1" baseline="30000">
+              <a:rPr lang="fr-FR" sz="3600" i="1" baseline="30000" dirty="0">
                 <a:latin typeface="Arial" panose="020B0604020202020204" pitchFamily="34" charset="0"/>
                 <a:ea typeface="Calibri" panose="020F0502020204030204" pitchFamily="34" charset="0"/>
                 <a:cs typeface="Times New Roman" panose="02020603050405020304" pitchFamily="18" charset="0"/>
@@ -7999,7 +7930,7 @@
               <a:t>1</a:t>
             </a:r>
             <a:r>
-              <a:rPr lang="fr-FR" sz="3600" i="1">
+              <a:rPr lang="fr-FR" sz="3600" i="1" dirty="0">
                 <a:latin typeface="Arial" panose="020B0604020202020204" pitchFamily="34" charset="0"/>
                 <a:ea typeface="Calibri" panose="020F0502020204030204" pitchFamily="34" charset="0"/>
                 <a:cs typeface="Times New Roman" panose="02020603050405020304" pitchFamily="18" charset="0"/>
@@ -8007,7 +7938,7 @@
               <a:t>, Elisabeth Baux</a:t>
             </a:r>
             <a:r>
-              <a:rPr lang="fr-FR" sz="3600" i="1" baseline="30000">
+              <a:rPr lang="fr-FR" sz="3600" i="1" baseline="30000" dirty="0">
                 <a:latin typeface="Arial" panose="020B0604020202020204" pitchFamily="34" charset="0"/>
                 <a:ea typeface="Calibri" panose="020F0502020204030204" pitchFamily="34" charset="0"/>
                 <a:cs typeface="Times New Roman" panose="02020603050405020304" pitchFamily="18" charset="0"/>
@@ -8015,7 +7946,7 @@
               <a:t>4</a:t>
             </a:r>
             <a:r>
-              <a:rPr lang="fr-FR" sz="3600" i="1">
+              <a:rPr lang="fr-FR" sz="3600" i="1" dirty="0">
                 <a:latin typeface="Arial" panose="020B0604020202020204" pitchFamily="34" charset="0"/>
                 <a:ea typeface="Calibri" panose="020F0502020204030204" pitchFamily="34" charset="0"/>
                 <a:cs typeface="Times New Roman" panose="02020603050405020304" pitchFamily="18" charset="0"/>
@@ -8023,7 +7954,7 @@
               <a:t>, Jean-François Faucher</a:t>
             </a:r>
             <a:r>
-              <a:rPr lang="fr-FR" sz="3600" i="1" baseline="30000">
+              <a:rPr lang="fr-FR" sz="3600" i="1" baseline="30000" dirty="0">
                 <a:latin typeface="Arial" panose="020B0604020202020204" pitchFamily="34" charset="0"/>
                 <a:ea typeface="Calibri" panose="020F0502020204030204" pitchFamily="34" charset="0"/>
                 <a:cs typeface="Times New Roman" panose="02020603050405020304" pitchFamily="18" charset="0"/>
@@ -8031,7 +7962,7 @@
               <a:t>5</a:t>
             </a:r>
             <a:r>
-              <a:rPr lang="fr-FR" sz="3600" i="1">
+              <a:rPr lang="fr-FR" sz="3600" i="1" dirty="0">
                 <a:latin typeface="Arial" panose="020B0604020202020204" pitchFamily="34" charset="0"/>
                 <a:ea typeface="Calibri" panose="020F0502020204030204" pitchFamily="34" charset="0"/>
                 <a:cs typeface="Times New Roman" panose="02020603050405020304" pitchFamily="18" charset="0"/>
@@ -8039,14 +7970,14 @@
               <a:t>, James H. Stark</a:t>
             </a:r>
             <a:r>
-              <a:rPr lang="fr-FR" sz="3600" i="1" baseline="30000">
+              <a:rPr lang="fr-FR" sz="3600" i="1" baseline="30000" dirty="0">
                 <a:latin typeface="Arial" panose="020B0604020202020204" pitchFamily="34" charset="0"/>
                 <a:ea typeface="Calibri" panose="020F0502020204030204" pitchFamily="34" charset="0"/>
                 <a:cs typeface="Times New Roman" panose="02020603050405020304" pitchFamily="18" charset="0"/>
               </a:rPr>
               <a:t>6</a:t>
             </a:r>
-            <a:endParaRPr lang="fr-FR" sz="3600" i="1">
+            <a:endParaRPr lang="fr-FR" sz="3600" i="1" dirty="0">
               <a:latin typeface="Calibri" panose="020F0502020204030204" pitchFamily="34" charset="0"/>
               <a:ea typeface="Calibri" panose="020F0502020204030204" pitchFamily="34" charset="0"/>
               <a:cs typeface="Times New Roman" panose="02020603050405020304" pitchFamily="18" charset="0"/>
@@ -8634,6 +8565,221 @@
           <a:xfrm>
             <a:off x="1378513" y="19614738"/>
             <a:ext cx="12780000" cy="6006068"/>
+          </a:xfrm>
+          <a:prstGeom prst="rect">
+            <a:avLst/>
+          </a:prstGeom>
+        </p:spPr>
+      </p:pic>
+      <p:sp>
+        <p:nvSpPr>
+          <p:cNvPr id="4" name="ZoneTexte 3">
+            <a:extLst>
+              <a:ext uri="{FF2B5EF4-FFF2-40B4-BE49-F238E27FC236}">
+                <a16:creationId xmlns:a16="http://schemas.microsoft.com/office/drawing/2014/main" id="{C2D2F5D8-8682-ECE8-BAD4-611023845545}"/>
+              </a:ext>
+            </a:extLst>
+          </p:cNvPr>
+          <p:cNvSpPr txBox="1"/>
+          <p:nvPr/>
+        </p:nvSpPr>
+        <p:spPr>
+          <a:xfrm>
+            <a:off x="130171" y="108812"/>
+            <a:ext cx="1660529" cy="584775"/>
+          </a:xfrm>
+          <a:prstGeom prst="rect">
+            <a:avLst/>
+          </a:prstGeom>
+          <a:noFill/>
+        </p:spPr>
+        <p:txBody>
+          <a:bodyPr wrap="square">
+            <a:spAutoFit/>
+          </a:bodyPr>
+          <a:lstStyle/>
+          <a:p>
+            <a:pPr>
+              <a:spcAft>
+                <a:spcPts val="2400"/>
+              </a:spcAft>
+            </a:pPr>
+            <a:r>
+              <a:rPr lang="fr-FR" sz="3200" dirty="0">
+                <a:solidFill>
+                  <a:schemeClr val="tx1"/>
+                </a:solidFill>
+                <a:effectLst/>
+                <a:latin typeface="Calibri" panose="020F0502020204030204" pitchFamily="34" charset="0"/>
+                <a:ea typeface="Calibri" panose="020F0502020204030204" pitchFamily="34" charset="0"/>
+              </a:rPr>
+              <a:t>EPID-05</a:t>
+            </a:r>
+            <a:endParaRPr lang="fr-FR" sz="3200" dirty="0">
+              <a:solidFill>
+                <a:schemeClr val="tx1"/>
+              </a:solidFill>
+            </a:endParaRPr>
+          </a:p>
+        </p:txBody>
+      </p:sp>
+      <p:sp>
+        <p:nvSpPr>
+          <p:cNvPr id="20" name="ZoneTexte 19">
+            <a:extLst>
+              <a:ext uri="{FF2B5EF4-FFF2-40B4-BE49-F238E27FC236}">
+                <a16:creationId xmlns:a16="http://schemas.microsoft.com/office/drawing/2014/main" id="{D12AD3C1-709D-F4C5-5B78-701B15C6AC42}"/>
+              </a:ext>
+            </a:extLst>
+          </p:cNvPr>
+          <p:cNvSpPr txBox="1"/>
+          <p:nvPr/>
+        </p:nvSpPr>
+        <p:spPr>
+          <a:xfrm>
+            <a:off x="15164106" y="37511320"/>
+            <a:ext cx="11114301" cy="2018373"/>
+          </a:xfrm>
+          <a:prstGeom prst="rect">
+            <a:avLst/>
+          </a:prstGeom>
+          <a:noFill/>
+        </p:spPr>
+        <p:txBody>
+          <a:bodyPr wrap="square">
+            <a:spAutoFit/>
+          </a:bodyPr>
+          <a:lstStyle/>
+          <a:p>
+            <a:pPr>
+              <a:lnSpc>
+                <a:spcPct val="107000"/>
+              </a:lnSpc>
+              <a:spcAft>
+                <a:spcPts val="255"/>
+              </a:spcAft>
+            </a:pPr>
+            <a:r>
+              <a:rPr lang="en-GB" sz="2800" b="1" dirty="0">
+                <a:latin typeface="Arial" panose="020B0604020202020204" pitchFamily="34" charset="0"/>
+                <a:ea typeface="Calibri" panose="020F0502020204030204" pitchFamily="34" charset="0"/>
+                <a:cs typeface="Times New Roman" panose="02020603050405020304" pitchFamily="18" charset="0"/>
+              </a:rPr>
+              <a:t>Charles Nuttens, PhD</a:t>
+            </a:r>
+          </a:p>
+          <a:p>
+            <a:pPr>
+              <a:lnSpc>
+                <a:spcPct val="107000"/>
+              </a:lnSpc>
+              <a:spcAft>
+                <a:spcPts val="255"/>
+              </a:spcAft>
+            </a:pPr>
+            <a:r>
+              <a:rPr lang="en-GB" sz="2800" dirty="0">
+                <a:latin typeface="Arial" panose="020B0604020202020204" pitchFamily="34" charset="0"/>
+                <a:ea typeface="Calibri" panose="020F0502020204030204" pitchFamily="34" charset="0"/>
+                <a:cs typeface="Times New Roman" panose="02020603050405020304" pitchFamily="18" charset="0"/>
+              </a:rPr>
+              <a:t>Medical Development, Scientific and Clinical Affairs</a:t>
+            </a:r>
+          </a:p>
+          <a:p>
+            <a:pPr>
+              <a:lnSpc>
+                <a:spcPct val="107000"/>
+              </a:lnSpc>
+              <a:spcAft>
+                <a:spcPts val="255"/>
+              </a:spcAft>
+            </a:pPr>
+            <a:r>
+              <a:rPr lang="en-GB" sz="2800" dirty="0">
+                <a:latin typeface="Arial" panose="020B0604020202020204" pitchFamily="34" charset="0"/>
+                <a:ea typeface="Calibri" panose="020F0502020204030204" pitchFamily="34" charset="0"/>
+                <a:cs typeface="Times New Roman" panose="02020603050405020304" pitchFamily="18" charset="0"/>
+              </a:rPr>
+              <a:t>23-25 avenue du </a:t>
+            </a:r>
+            <a:r>
+              <a:rPr lang="en-GB" sz="2800" dirty="0" err="1">
+                <a:latin typeface="Arial" panose="020B0604020202020204" pitchFamily="34" charset="0"/>
+                <a:ea typeface="Calibri" panose="020F0502020204030204" pitchFamily="34" charset="0"/>
+                <a:cs typeface="Times New Roman" panose="02020603050405020304" pitchFamily="18" charset="0"/>
+              </a:rPr>
+              <a:t>Docteur</a:t>
+            </a:r>
+            <a:r>
+              <a:rPr lang="en-GB" sz="2800" dirty="0">
+                <a:latin typeface="Arial" panose="020B0604020202020204" pitchFamily="34" charset="0"/>
+                <a:ea typeface="Calibri" panose="020F0502020204030204" pitchFamily="34" charset="0"/>
+                <a:cs typeface="Times New Roman" panose="02020603050405020304" pitchFamily="18" charset="0"/>
+              </a:rPr>
+              <a:t> </a:t>
+            </a:r>
+            <a:r>
+              <a:rPr lang="en-GB" sz="2800" dirty="0" err="1">
+                <a:latin typeface="Arial" panose="020B0604020202020204" pitchFamily="34" charset="0"/>
+                <a:ea typeface="Calibri" panose="020F0502020204030204" pitchFamily="34" charset="0"/>
+                <a:cs typeface="Times New Roman" panose="02020603050405020304" pitchFamily="18" charset="0"/>
+              </a:rPr>
+              <a:t>Lannelongue</a:t>
+            </a:r>
+            <a:r>
+              <a:rPr lang="en-GB" sz="2800" dirty="0">
+                <a:latin typeface="Arial" panose="020B0604020202020204" pitchFamily="34" charset="0"/>
+                <a:ea typeface="Calibri" panose="020F0502020204030204" pitchFamily="34" charset="0"/>
+                <a:cs typeface="Times New Roman" panose="02020603050405020304" pitchFamily="18" charset="0"/>
+              </a:rPr>
+              <a:t>, Paris, France</a:t>
+            </a:r>
+          </a:p>
+          <a:p>
+            <a:pPr>
+              <a:lnSpc>
+                <a:spcPct val="107000"/>
+              </a:lnSpc>
+              <a:spcAft>
+                <a:spcPts val="255"/>
+              </a:spcAft>
+            </a:pPr>
+            <a:r>
+              <a:rPr lang="en-GB" sz="2800" dirty="0">
+                <a:latin typeface="Arial" panose="020B0604020202020204" pitchFamily="34" charset="0"/>
+                <a:ea typeface="Calibri" panose="020F0502020204030204" pitchFamily="34" charset="0"/>
+                <a:cs typeface="Times New Roman" panose="02020603050405020304" pitchFamily="18" charset="0"/>
+              </a:rPr>
+              <a:t>charles.nuttens@pfizer.com - 0000-0001-6288-8023</a:t>
+            </a:r>
+          </a:p>
+        </p:txBody>
+      </p:sp>
+      <p:pic>
+        <p:nvPicPr>
+          <p:cNvPr id="21" name="Image 20" descr="Une image contenant texte, Police, typographie, Graphique&#10;&#10;Description générée automatiquement">
+            <a:extLst>
+              <a:ext uri="{FF2B5EF4-FFF2-40B4-BE49-F238E27FC236}">
+                <a16:creationId xmlns:a16="http://schemas.microsoft.com/office/drawing/2014/main" id="{CE2A1B07-A48F-74CF-C136-7D534C9A8CD0}"/>
+              </a:ext>
+            </a:extLst>
+          </p:cNvPr>
+          <p:cNvPicPr>
+            <a:picLocks noChangeAspect="1"/>
+          </p:cNvPicPr>
+          <p:nvPr/>
+        </p:nvPicPr>
+        <p:blipFill>
+          <a:blip r:embed="rId12"/>
+          <a:stretch>
+            <a:fillRect/>
+          </a:stretch>
+        </p:blipFill>
+        <p:spPr>
+          <a:xfrm>
+            <a:off x="24729856" y="39191507"/>
+            <a:ext cx="4873343" cy="710696"/>
           </a:xfrm>
           <a:prstGeom prst="rect">
             <a:avLst/>
@@ -9221,6 +9367,14 @@
 </file>
 
 <file path=customXml/item1.xml><?xml version="1.0" encoding="utf-8"?>
+<p:properties xmlns:p="http://schemas.microsoft.com/office/2006/metadata/properties" xmlns:xsi="http://www.w3.org/2001/XMLSchema-instance" xmlns:pc="http://schemas.microsoft.com/office/infopath/2007/PartnerControls">
+  <documentManagement>
+    <_activity xmlns="8d70de6e-5401-4964-b886-94372c6f4cc0" xsi:nil="true"/>
+  </documentManagement>
+</p:properties>
+</file>
+
+<file path=customXml/item2.xml><?xml version="1.0" encoding="utf-8"?>
 <ct:contentTypeSchema xmlns:ct="http://schemas.microsoft.com/office/2006/metadata/contentType" xmlns:ma="http://schemas.microsoft.com/office/2006/metadata/properties/metaAttributes" ct:_="" ma:_="" ma:contentTypeName="Document" ma:contentTypeID="0x010100D36E4558046F5540BDE6411D40D845C1" ma:contentTypeVersion="15" ma:contentTypeDescription="Create a new document." ma:contentTypeScope="" ma:versionID="d23a59e062c51f1c3c007512d1196187">
   <xsd:schema xmlns:xsd="http://www.w3.org/2001/XMLSchema" xmlns:xs="http://www.w3.org/2001/XMLSchema" xmlns:p="http://schemas.microsoft.com/office/2006/metadata/properties" xmlns:ns3="8d70de6e-5401-4964-b886-94372c6f4cc0" xmlns:ns4="8d9369e9-0fa5-4dbb-a18f-42a75fff7e21" targetNamespace="http://schemas.microsoft.com/office/2006/metadata/properties" ma:root="true" ma:fieldsID="8fd8be4125a6658320c9f3086836ba67" ns3:_="" ns4:_="">
     <xsd:import namespace="8d70de6e-5401-4964-b886-94372c6f4cc0"/>
@@ -9455,7 +9609,7 @@
 </ct:contentTypeSchema>
 </file>
 
-<file path=customXml/item2.xml><?xml version="1.0" encoding="utf-8"?>
+<file path=customXml/item3.xml><?xml version="1.0" encoding="utf-8"?>
 <?mso-contentType ?>
 <FormTemplates xmlns="http://schemas.microsoft.com/sharepoint/v3/contenttype/forms">
   <Display>DocumentLibraryForm</Display>
@@ -9464,15 +9618,24 @@
 </FormTemplates>
 </file>
 
-<file path=customXml/item3.xml><?xml version="1.0" encoding="utf-8"?>
-<p:properties xmlns:p="http://schemas.microsoft.com/office/2006/metadata/properties" xmlns:xsi="http://www.w3.org/2001/XMLSchema-instance" xmlns:pc="http://schemas.microsoft.com/office/infopath/2007/PartnerControls">
-  <documentManagement>
-    <_activity xmlns="8d70de6e-5401-4964-b886-94372c6f4cc0" xsi:nil="true"/>
-  </documentManagement>
-</p:properties>
+<file path=customXml/itemProps1.xml><?xml version="1.0" encoding="utf-8"?>
+<ds:datastoreItem xmlns:ds="http://schemas.openxmlformats.org/officeDocument/2006/customXml" ds:itemID="{7A75C3D4-D484-4BAD-B148-B637F15C366F}">
+  <ds:schemaRefs>
+    <ds:schemaRef ds:uri="http://schemas.microsoft.com/office/2006/metadata/properties"/>
+    <ds:schemaRef ds:uri="http://purl.org/dc/dcmitype/"/>
+    <ds:schemaRef ds:uri="http://schemas.microsoft.com/office/2006/documentManagement/types"/>
+    <ds:schemaRef ds:uri="http://purl.org/dc/elements/1.1/"/>
+    <ds:schemaRef ds:uri="http://purl.org/dc/terms/"/>
+    <ds:schemaRef ds:uri="http://schemas.openxmlformats.org/package/2006/metadata/core-properties"/>
+    <ds:schemaRef ds:uri="http://schemas.microsoft.com/office/infopath/2007/PartnerControls"/>
+    <ds:schemaRef ds:uri="8d9369e9-0fa5-4dbb-a18f-42a75fff7e21"/>
+    <ds:schemaRef ds:uri="8d70de6e-5401-4964-b886-94372c6f4cc0"/>
+    <ds:schemaRef ds:uri="http://www.w3.org/XML/1998/namespace"/>
+  </ds:schemaRefs>
+</ds:datastoreItem>
 </file>
 
-<file path=customXml/itemProps1.xml><?xml version="1.0" encoding="utf-8"?>
+<file path=customXml/itemProps2.xml><?xml version="1.0" encoding="utf-8"?>
 <ds:datastoreItem xmlns:ds="http://schemas.openxmlformats.org/officeDocument/2006/customXml" ds:itemID="{95058925-198A-4843-9256-5F36267F8471}">
   <ds:schemaRefs>
     <ds:schemaRef ds:uri="http://schemas.microsoft.com/office/2006/metadata/contentType"/>
@@ -9491,27 +9654,10 @@
 </ds:datastoreItem>
 </file>
 
-<file path=customXml/itemProps2.xml><?xml version="1.0" encoding="utf-8"?>
+<file path=customXml/itemProps3.xml><?xml version="1.0" encoding="utf-8"?>
 <ds:datastoreItem xmlns:ds="http://schemas.openxmlformats.org/officeDocument/2006/customXml" ds:itemID="{72D944AB-A650-4299-B521-6B4246C48B57}">
   <ds:schemaRefs>
     <ds:schemaRef ds:uri="http://schemas.microsoft.com/sharepoint/v3/contenttype/forms"/>
   </ds:schemaRefs>
 </ds:datastoreItem>
-</file>
-
-<file path=customXml/itemProps3.xml><?xml version="1.0" encoding="utf-8"?>
-<ds:datastoreItem xmlns:ds="http://schemas.openxmlformats.org/officeDocument/2006/customXml" ds:itemID="{7A75C3D4-D484-4BAD-B148-B637F15C366F}">
-  <ds:schemaRefs>
-    <ds:schemaRef ds:uri="http://schemas.microsoft.com/office/2006/metadata/properties"/>
-    <ds:schemaRef ds:uri="http://purl.org/dc/dcmitype/"/>
-    <ds:schemaRef ds:uri="http://schemas.microsoft.com/office/2006/documentManagement/types"/>
-    <ds:schemaRef ds:uri="http://purl.org/dc/elements/1.1/"/>
-    <ds:schemaRef ds:uri="http://purl.org/dc/terms/"/>
-    <ds:schemaRef ds:uri="http://schemas.openxmlformats.org/package/2006/metadata/core-properties"/>
-    <ds:schemaRef ds:uri="http://schemas.microsoft.com/office/infopath/2007/PartnerControls"/>
-    <ds:schemaRef ds:uri="8d9369e9-0fa5-4dbb-a18f-42a75fff7e21"/>
-    <ds:schemaRef ds:uri="8d70de6e-5401-4964-b886-94372c6f4cc0"/>
-    <ds:schemaRef ds:uri="http://www.w3.org/XML/1998/namespace"/>
-  </ds:schemaRefs>
-</ds:datastoreItem>
 </file>